--- a/layout.pptx
+++ b/layout.pptx
@@ -120,7 +120,7 @@
             <a:srgbClr val="A4A3A4"/>
           </p15:clr>
         </p15:guide>
-        <p15:guide id="3" orient="horz" pos="2184" userDrawn="1">
+        <p15:guide id="3" orient="horz" pos="2208" userDrawn="1">
           <p15:clr>
             <a:srgbClr val="A4A3A4"/>
           </p15:clr>
@@ -213,7 +213,7 @@
           <a:p>
             <a:fld id="{43C865E1-4CD8-1646-AD3B-38D4F18BEC9D}" type="datetimeFigureOut">
               <a:rPr lang="en-US" smtClean="0"/>
-              <a:t>1/19/24</a:t>
+              <a:t>1/23/24</a:t>
             </a:fld>
             <a:endParaRPr lang="en-US"/>
           </a:p>
@@ -541,6 +541,43 @@
           <a:p>
             <a:r>
               <a:rPr lang="en-US" dirty="0"/>
+              <a:t>Top: (3.75-2.79)/7.5 = 12.8%</a:t>
+            </a:r>
+          </a:p>
+          <a:p>
+            <a:pPr marL="0" marR="0" lvl="0" indent="0" algn="l" defTabSz="914400" rtl="0" eaLnBrk="1" fontAlgn="auto" latinLnBrk="0" hangingPunct="1">
+              <a:lnSpc>
+                <a:spcPct val="100000"/>
+              </a:lnSpc>
+              <a:spcBef>
+                <a:spcPts val="0"/>
+              </a:spcBef>
+              <a:spcAft>
+                <a:spcPts val="0"/>
+              </a:spcAft>
+              <a:buClrTx/>
+              <a:buSzTx/>
+              <a:buFontTx/>
+              <a:buNone/>
+              <a:tabLst/>
+              <a:defRPr/>
+            </a:pPr>
+            <a:r>
+              <a:rPr lang="en-US" dirty="0">
+                <a:sym typeface="Wingdings" pitchFamily="2" charset="2"/>
+              </a:rPr>
+              <a:t>Width: 5.56/13.33 = 42%</a:t>
+            </a:r>
+          </a:p>
+          <a:p>
+            <a:endParaRPr lang="en-US" dirty="0"/>
+          </a:p>
+          <a:p>
+            <a:endParaRPr lang="en-US" dirty="0"/>
+          </a:p>
+          <a:p>
+            <a:r>
+              <a:rPr lang="en-US" dirty="0"/>
               <a:t>Left</a:t>
             </a:r>
             <a:r>
@@ -555,8 +592,25 @@
               <a:rPr lang="en-US" dirty="0">
                 <a:sym typeface="Wingdings" pitchFamily="2" charset="2"/>
               </a:rPr>
-              <a:t>Top: 0</a:t>
-            </a:r>
+              <a:t>Top: 0%</a:t>
+            </a:r>
+          </a:p>
+          <a:p>
+            <a:r>
+              <a:rPr lang="en-US" dirty="0">
+                <a:sym typeface="Wingdings" pitchFamily="2" charset="2"/>
+              </a:rPr>
+              <a:t>Width: 2.6/13.33 = 1</a:t>
+            </a:r>
+            <a:r>
+              <a:rPr lang="en-US" i="1" dirty="0">
+                <a:sym typeface="Wingdings" pitchFamily="2" charset="2"/>
+              </a:rPr>
+              <a:t>9.5%</a:t>
+            </a:r>
+            <a:endParaRPr lang="en-US" dirty="0">
+              <a:sym typeface="Wingdings" pitchFamily="2" charset="2"/>
+            </a:endParaRPr>
           </a:p>
           <a:p>
             <a:endParaRPr lang="en-US" dirty="0">
@@ -576,8 +630,47 @@
               <a:rPr lang="en-US" dirty="0">
                 <a:sym typeface="Wingdings" pitchFamily="2" charset="2"/>
               </a:rPr>
-              <a:t>Top: 0</a:t>
-            </a:r>
+              <a:t>Top: 0%</a:t>
+            </a:r>
+          </a:p>
+          <a:p>
+            <a:pPr marL="0" marR="0" lvl="0" indent="0" algn="l" defTabSz="914400" rtl="0" eaLnBrk="1" fontAlgn="auto" latinLnBrk="0" hangingPunct="1">
+              <a:lnSpc>
+                <a:spcPct val="100000"/>
+              </a:lnSpc>
+              <a:spcBef>
+                <a:spcPts val="0"/>
+              </a:spcBef>
+              <a:spcAft>
+                <a:spcPts val="0"/>
+              </a:spcAft>
+              <a:buClrTx/>
+              <a:buSzTx/>
+              <a:buFontTx/>
+              <a:buNone/>
+              <a:tabLst/>
+              <a:defRPr/>
+            </a:pPr>
+            <a:r>
+              <a:rPr lang="en-US" dirty="0">
+                <a:sym typeface="Wingdings" pitchFamily="2" charset="2"/>
+              </a:rPr>
+              <a:t>Width: 2.6/13.33 = 1</a:t>
+            </a:r>
+            <a:r>
+              <a:rPr lang="en-US" i="1" dirty="0">
+                <a:sym typeface="Wingdings" pitchFamily="2" charset="2"/>
+              </a:rPr>
+              <a:t>9.5%</a:t>
+            </a:r>
+            <a:endParaRPr lang="en-US" dirty="0">
+              <a:sym typeface="Wingdings" pitchFamily="2" charset="2"/>
+            </a:endParaRPr>
+          </a:p>
+          <a:p>
+            <a:endParaRPr lang="en-US" dirty="0">
+              <a:sym typeface="Wingdings" pitchFamily="2" charset="2"/>
+            </a:endParaRPr>
           </a:p>
           <a:p>
             <a:endParaRPr lang="en-US" dirty="0">
@@ -847,7 +940,7 @@
           <a:p>
             <a:fld id="{E4AA6281-37A2-A840-978F-FC9CB7993506}" type="datetimeFigureOut">
               <a:rPr lang="en-US" smtClean="0"/>
-              <a:t>1/19/24</a:t>
+              <a:t>1/23/24</a:t>
             </a:fld>
             <a:endParaRPr lang="en-US"/>
           </a:p>
@@ -1045,7 +1138,7 @@
           <a:p>
             <a:fld id="{E4AA6281-37A2-A840-978F-FC9CB7993506}" type="datetimeFigureOut">
               <a:rPr lang="en-US" smtClean="0"/>
-              <a:t>1/19/24</a:t>
+              <a:t>1/23/24</a:t>
             </a:fld>
             <a:endParaRPr lang="en-US"/>
           </a:p>
@@ -1253,7 +1346,7 @@
           <a:p>
             <a:fld id="{E4AA6281-37A2-A840-978F-FC9CB7993506}" type="datetimeFigureOut">
               <a:rPr lang="en-US" smtClean="0"/>
-              <a:t>1/19/24</a:t>
+              <a:t>1/23/24</a:t>
             </a:fld>
             <a:endParaRPr lang="en-US"/>
           </a:p>
@@ -1451,7 +1544,7 @@
           <a:p>
             <a:fld id="{E4AA6281-37A2-A840-978F-FC9CB7993506}" type="datetimeFigureOut">
               <a:rPr lang="en-US" smtClean="0"/>
-              <a:t>1/19/24</a:t>
+              <a:t>1/23/24</a:t>
             </a:fld>
             <a:endParaRPr lang="en-US"/>
           </a:p>
@@ -1726,7 +1819,7 @@
           <a:p>
             <a:fld id="{E4AA6281-37A2-A840-978F-FC9CB7993506}" type="datetimeFigureOut">
               <a:rPr lang="en-US" smtClean="0"/>
-              <a:t>1/19/24</a:t>
+              <a:t>1/23/24</a:t>
             </a:fld>
             <a:endParaRPr lang="en-US"/>
           </a:p>
@@ -1991,7 +2084,7 @@
           <a:p>
             <a:fld id="{E4AA6281-37A2-A840-978F-FC9CB7993506}" type="datetimeFigureOut">
               <a:rPr lang="en-US" smtClean="0"/>
-              <a:t>1/19/24</a:t>
+              <a:t>1/23/24</a:t>
             </a:fld>
             <a:endParaRPr lang="en-US"/>
           </a:p>
@@ -2403,7 +2496,7 @@
           <a:p>
             <a:fld id="{E4AA6281-37A2-A840-978F-FC9CB7993506}" type="datetimeFigureOut">
               <a:rPr lang="en-US" smtClean="0"/>
-              <a:t>1/19/24</a:t>
+              <a:t>1/23/24</a:t>
             </a:fld>
             <a:endParaRPr lang="en-US"/>
           </a:p>
@@ -2544,7 +2637,7 @@
           <a:p>
             <a:fld id="{E4AA6281-37A2-A840-978F-FC9CB7993506}" type="datetimeFigureOut">
               <a:rPr lang="en-US" smtClean="0"/>
-              <a:t>1/19/24</a:t>
+              <a:t>1/23/24</a:t>
             </a:fld>
             <a:endParaRPr lang="en-US"/>
           </a:p>
@@ -2657,7 +2750,7 @@
           <a:p>
             <a:fld id="{E4AA6281-37A2-A840-978F-FC9CB7993506}" type="datetimeFigureOut">
               <a:rPr lang="en-US" smtClean="0"/>
-              <a:t>1/19/24</a:t>
+              <a:t>1/23/24</a:t>
             </a:fld>
             <a:endParaRPr lang="en-US"/>
           </a:p>
@@ -2968,7 +3061,7 @@
           <a:p>
             <a:fld id="{E4AA6281-37A2-A840-978F-FC9CB7993506}" type="datetimeFigureOut">
               <a:rPr lang="en-US" smtClean="0"/>
-              <a:t>1/19/24</a:t>
+              <a:t>1/23/24</a:t>
             </a:fld>
             <a:endParaRPr lang="en-US"/>
           </a:p>
@@ -3256,7 +3349,7 @@
           <a:p>
             <a:fld id="{E4AA6281-37A2-A840-978F-FC9CB7993506}" type="datetimeFigureOut">
               <a:rPr lang="en-US" smtClean="0"/>
-              <a:t>1/19/24</a:t>
+              <a:t>1/23/24</a:t>
             </a:fld>
             <a:endParaRPr lang="en-US"/>
           </a:p>
@@ -3497,7 +3590,7 @@
           <a:p>
             <a:fld id="{E4AA6281-37A2-A840-978F-FC9CB7993506}" type="datetimeFigureOut">
               <a:rPr lang="en-US" smtClean="0"/>
-              <a:t>1/19/24</a:t>
+              <a:t>1/23/24</a:t>
             </a:fld>
             <a:endParaRPr lang="en-US"/>
           </a:p>

--- a/layout.pptx
+++ b/layout.pptx
@@ -110,12 +110,12 @@
   <p:extLst>
     <p:ext uri="{EFAFB233-063F-42B5-8137-9DF3F51BA10A}">
       <p15:sldGuideLst xmlns:p15="http://schemas.microsoft.com/office/powerpoint/2012/main">
-        <p15:guide id="1" orient="horz" pos="552" userDrawn="1">
+        <p15:guide id="1" orient="horz" pos="1920" userDrawn="1">
           <p15:clr>
             <a:srgbClr val="A4A3A4"/>
           </p15:clr>
         </p15:guide>
-        <p15:guide id="2" pos="3816" userDrawn="1">
+        <p15:guide id="2" pos="4272" userDrawn="1">
           <p15:clr>
             <a:srgbClr val="A4A3A4"/>
           </p15:clr>
@@ -213,7 +213,7 @@
           <a:p>
             <a:fld id="{43C865E1-4CD8-1646-AD3B-38D4F18BEC9D}" type="datetimeFigureOut">
               <a:rPr lang="en-US" smtClean="0"/>
-              <a:t>1/23/24</a:t>
+              <a:t>1/27/24</a:t>
             </a:fld>
             <a:endParaRPr lang="en-US"/>
           </a:p>
@@ -755,6 +755,37 @@
           <a:p>
             <a:endParaRPr lang="en-US" dirty="0"/>
           </a:p>
+          <a:p>
+            <a:endParaRPr lang="en-US" dirty="0"/>
+          </a:p>
+          <a:p>
+            <a:r>
+              <a:rPr lang="en-US" dirty="0"/>
+              <a:t>Arrow</a:t>
+            </a:r>
+          </a:p>
+          <a:p>
+            <a:r>
+              <a:rPr lang="en-US" dirty="0"/>
+              <a:t>Left</a:t>
+            </a:r>
+            <a:r>
+              <a:rPr lang="en-US" b="0" dirty="0"/>
+              <a:t>: (6.67-.5)/13.33 = 46.3%</a:t>
+            </a:r>
+          </a:p>
+          <a:p>
+            <a:r>
+              <a:rPr lang="en-US" b="0" dirty="0"/>
+              <a:t>Top: (3.75-.42)/7.5 = 44.4%</a:t>
+            </a:r>
+          </a:p>
+          <a:p>
+            <a:r>
+              <a:rPr lang="en-US" b="0" dirty="0"/>
+              <a:t>Width: (.46+.71)/13.33 = 8.8%</a:t>
+            </a:r>
+          </a:p>
         </p:txBody>
       </p:sp>
       <p:sp>
@@ -940,7 +971,7 @@
           <a:p>
             <a:fld id="{E4AA6281-37A2-A840-978F-FC9CB7993506}" type="datetimeFigureOut">
               <a:rPr lang="en-US" smtClean="0"/>
-              <a:t>1/23/24</a:t>
+              <a:t>1/27/24</a:t>
             </a:fld>
             <a:endParaRPr lang="en-US"/>
           </a:p>
@@ -1138,7 +1169,7 @@
           <a:p>
             <a:fld id="{E4AA6281-37A2-A840-978F-FC9CB7993506}" type="datetimeFigureOut">
               <a:rPr lang="en-US" smtClean="0"/>
-              <a:t>1/23/24</a:t>
+              <a:t>1/27/24</a:t>
             </a:fld>
             <a:endParaRPr lang="en-US"/>
           </a:p>
@@ -1346,7 +1377,7 @@
           <a:p>
             <a:fld id="{E4AA6281-37A2-A840-978F-FC9CB7993506}" type="datetimeFigureOut">
               <a:rPr lang="en-US" smtClean="0"/>
-              <a:t>1/23/24</a:t>
+              <a:t>1/27/24</a:t>
             </a:fld>
             <a:endParaRPr lang="en-US"/>
           </a:p>
@@ -1544,7 +1575,7 @@
           <a:p>
             <a:fld id="{E4AA6281-37A2-A840-978F-FC9CB7993506}" type="datetimeFigureOut">
               <a:rPr lang="en-US" smtClean="0"/>
-              <a:t>1/23/24</a:t>
+              <a:t>1/27/24</a:t>
             </a:fld>
             <a:endParaRPr lang="en-US"/>
           </a:p>
@@ -1819,7 +1850,7 @@
           <a:p>
             <a:fld id="{E4AA6281-37A2-A840-978F-FC9CB7993506}" type="datetimeFigureOut">
               <a:rPr lang="en-US" smtClean="0"/>
-              <a:t>1/23/24</a:t>
+              <a:t>1/27/24</a:t>
             </a:fld>
             <a:endParaRPr lang="en-US"/>
           </a:p>
@@ -2084,7 +2115,7 @@
           <a:p>
             <a:fld id="{E4AA6281-37A2-A840-978F-FC9CB7993506}" type="datetimeFigureOut">
               <a:rPr lang="en-US" smtClean="0"/>
-              <a:t>1/23/24</a:t>
+              <a:t>1/27/24</a:t>
             </a:fld>
             <a:endParaRPr lang="en-US"/>
           </a:p>
@@ -2496,7 +2527,7 @@
           <a:p>
             <a:fld id="{E4AA6281-37A2-A840-978F-FC9CB7993506}" type="datetimeFigureOut">
               <a:rPr lang="en-US" smtClean="0"/>
-              <a:t>1/23/24</a:t>
+              <a:t>1/27/24</a:t>
             </a:fld>
             <a:endParaRPr lang="en-US"/>
           </a:p>
@@ -2637,7 +2668,7 @@
           <a:p>
             <a:fld id="{E4AA6281-37A2-A840-978F-FC9CB7993506}" type="datetimeFigureOut">
               <a:rPr lang="en-US" smtClean="0"/>
-              <a:t>1/23/24</a:t>
+              <a:t>1/27/24</a:t>
             </a:fld>
             <a:endParaRPr lang="en-US"/>
           </a:p>
@@ -2750,7 +2781,7 @@
           <a:p>
             <a:fld id="{E4AA6281-37A2-A840-978F-FC9CB7993506}" type="datetimeFigureOut">
               <a:rPr lang="en-US" smtClean="0"/>
-              <a:t>1/23/24</a:t>
+              <a:t>1/27/24</a:t>
             </a:fld>
             <a:endParaRPr lang="en-US"/>
           </a:p>
@@ -3061,7 +3092,7 @@
           <a:p>
             <a:fld id="{E4AA6281-37A2-A840-978F-FC9CB7993506}" type="datetimeFigureOut">
               <a:rPr lang="en-US" smtClean="0"/>
-              <a:t>1/23/24</a:t>
+              <a:t>1/27/24</a:t>
             </a:fld>
             <a:endParaRPr lang="en-US"/>
           </a:p>
@@ -3349,7 +3380,7 @@
           <a:p>
             <a:fld id="{E4AA6281-37A2-A840-978F-FC9CB7993506}" type="datetimeFigureOut">
               <a:rPr lang="en-US" smtClean="0"/>
-              <a:t>1/23/24</a:t>
+              <a:t>1/27/24</a:t>
             </a:fld>
             <a:endParaRPr lang="en-US"/>
           </a:p>
@@ -3590,7 +3621,7 @@
           <a:p>
             <a:fld id="{E4AA6281-37A2-A840-978F-FC9CB7993506}" type="datetimeFigureOut">
               <a:rPr lang="en-US" smtClean="0"/>
-              <a:t>1/23/24</a:t>
+              <a:t>1/27/24</a:t>
             </a:fld>
             <a:endParaRPr lang="en-US"/>
           </a:p>
@@ -4157,6 +4188,55 @@
           </a:prstGeom>
         </p:spPr>
       </p:pic>
+      <p:sp>
+        <p:nvSpPr>
+          <p:cNvPr id="2" name="Right Arrow 1">
+            <a:extLst>
+              <a:ext uri="{FF2B5EF4-FFF2-40B4-BE49-F238E27FC236}">
+                <a16:creationId xmlns:a16="http://schemas.microsoft.com/office/drawing/2014/main" id="{01AB47C3-F7F8-126A-CCC7-E72AA8E0B97B}"/>
+              </a:ext>
+            </a:extLst>
+          </p:cNvPr>
+          <p:cNvSpPr/>
+          <p:nvPr/>
+        </p:nvSpPr>
+        <p:spPr>
+          <a:xfrm>
+            <a:off x="5689600" y="3081868"/>
+            <a:ext cx="1083733" cy="880533"/>
+          </a:xfrm>
+          <a:prstGeom prst="rightArrow">
+            <a:avLst>
+              <a:gd name="adj1" fmla="val 23077"/>
+              <a:gd name="adj2" fmla="val 50000"/>
+            </a:avLst>
+          </a:prstGeom>
+        </p:spPr>
+        <p:style>
+          <a:lnRef idx="2">
+            <a:schemeClr val="dk1">
+              <a:shade val="15000"/>
+            </a:schemeClr>
+          </a:lnRef>
+          <a:fillRef idx="1">
+            <a:schemeClr val="dk1"/>
+          </a:fillRef>
+          <a:effectRef idx="0">
+            <a:schemeClr val="dk1"/>
+          </a:effectRef>
+          <a:fontRef idx="minor">
+            <a:schemeClr val="lt1"/>
+          </a:fontRef>
+        </p:style>
+        <p:txBody>
+          <a:bodyPr rtlCol="0" anchor="ctr"/>
+          <a:lstStyle/>
+          <a:p>
+            <a:pPr algn="ctr"/>
+            <a:endParaRPr lang="en-US"/>
+          </a:p>
+        </p:txBody>
+      </p:sp>
     </p:spTree>
     <p:extLst>
       <p:ext uri="{BB962C8B-B14F-4D97-AF65-F5344CB8AC3E}">

--- a/layout.pptx
+++ b/layout.pptx
@@ -5,10 +5,11 @@
     <p:sldMasterId id="2147483648" r:id="rId1"/>
   </p:sldMasterIdLst>
   <p:notesMasterIdLst>
-    <p:notesMasterId r:id="rId3"/>
+    <p:notesMasterId r:id="rId4"/>
   </p:notesMasterIdLst>
   <p:sldIdLst>
-    <p:sldId id="256" r:id="rId2"/>
+    <p:sldId id="257" r:id="rId2"/>
+    <p:sldId id="256" r:id="rId3"/>
   </p:sldIdLst>
   <p:sldSz cx="12192000" cy="6858000"/>
   <p:notesSz cx="6858000" cy="9144000"/>
@@ -115,12 +116,12 @@
             <a:srgbClr val="A4A3A4"/>
           </p15:clr>
         </p15:guide>
-        <p15:guide id="2" pos="4272" userDrawn="1">
+        <p15:guide id="2" pos="1728" userDrawn="1">
           <p15:clr>
             <a:srgbClr val="A4A3A4"/>
           </p15:clr>
         </p15:guide>
-        <p15:guide id="3" orient="horz" pos="2208" userDrawn="1">
+        <p15:guide id="3" orient="horz" pos="2760" userDrawn="1">
           <p15:clr>
             <a:srgbClr val="A4A3A4"/>
           </p15:clr>
@@ -485,6 +486,199 @@
   <p:cSld>
     <p:spTree>
       <p:nvGrpSpPr>
+        <p:cNvPr id="1" name="">
+          <a:extLst>
+            <a:ext uri="{FF2B5EF4-FFF2-40B4-BE49-F238E27FC236}">
+              <a16:creationId xmlns:a16="http://schemas.microsoft.com/office/drawing/2014/main" id="{5524E0FA-AAA8-98CC-7C91-096377F3C762}"/>
+            </a:ext>
+          </a:extLst>
+        </p:cNvPr>
+        <p:cNvGrpSpPr/>
+        <p:nvPr/>
+      </p:nvGrpSpPr>
+      <p:grpSpPr>
+        <a:xfrm>
+          <a:off x="0" y="0"/>
+          <a:ext cx="0" cy="0"/>
+          <a:chOff x="0" y="0"/>
+          <a:chExt cx="0" cy="0"/>
+        </a:xfrm>
+      </p:grpSpPr>
+      <p:sp>
+        <p:nvSpPr>
+          <p:cNvPr id="2" name="Slide Image Placeholder 1">
+            <a:extLst>
+              <a:ext uri="{FF2B5EF4-FFF2-40B4-BE49-F238E27FC236}">
+                <a16:creationId xmlns:a16="http://schemas.microsoft.com/office/drawing/2014/main" id="{712951E8-AE39-2A67-8432-B7C8978EEF3B}"/>
+              </a:ext>
+            </a:extLst>
+          </p:cNvPr>
+          <p:cNvSpPr>
+            <a:spLocks noGrp="1" noRot="1" noChangeAspect="1"/>
+          </p:cNvSpPr>
+          <p:nvPr>
+            <p:ph type="sldImg"/>
+          </p:nvPr>
+        </p:nvSpPr>
+        <p:spPr/>
+      </p:sp>
+      <p:sp>
+        <p:nvSpPr>
+          <p:cNvPr id="3" name="Notes Placeholder 2">
+            <a:extLst>
+              <a:ext uri="{FF2B5EF4-FFF2-40B4-BE49-F238E27FC236}">
+                <a16:creationId xmlns:a16="http://schemas.microsoft.com/office/drawing/2014/main" id="{B1537F90-CDC5-97AE-F65C-2E8074C9FD02}"/>
+              </a:ext>
+            </a:extLst>
+          </p:cNvPr>
+          <p:cNvSpPr>
+            <a:spLocks noGrp="1"/>
+          </p:cNvSpPr>
+          <p:nvPr>
+            <p:ph type="body" idx="1"/>
+          </p:nvPr>
+        </p:nvSpPr>
+        <p:spPr/>
+        <p:txBody>
+          <a:bodyPr/>
+          <a:lstStyle/>
+          <a:p>
+            <a:r>
+              <a:rPr lang="en-US" dirty="0"/>
+              <a:t>13.33  by 7.5</a:t>
+            </a:r>
+          </a:p>
+          <a:p>
+            <a:endParaRPr lang="en-US" dirty="0"/>
+          </a:p>
+          <a:p>
+            <a:r>
+              <a:rPr lang="en-US" dirty="0"/>
+              <a:t>Picture</a:t>
+            </a:r>
+          </a:p>
+          <a:p>
+            <a:r>
+              <a:rPr lang="en-US" dirty="0"/>
+              <a:t>Top: 0</a:t>
+            </a:r>
+          </a:p>
+          <a:p>
+            <a:r>
+              <a:rPr lang="en-US" dirty="0"/>
+              <a:t>Left: (6.67-2.25)/7.5 = 33.13</a:t>
+            </a:r>
+          </a:p>
+          <a:p>
+            <a:r>
+              <a:rPr lang="en-US" dirty="0"/>
+              <a:t>Heigh: 4.5/7.5 = 60</a:t>
+            </a:r>
+          </a:p>
+          <a:p>
+            <a:endParaRPr lang="en-US" dirty="0"/>
+          </a:p>
+          <a:p>
+            <a:r>
+              <a:rPr lang="en-US" dirty="0"/>
+              <a:t>Buttons:</a:t>
+            </a:r>
+          </a:p>
+          <a:p>
+            <a:r>
+              <a:rPr lang="en-US" dirty="0"/>
+              <a:t>Top: 4.75/7.5 = 63.3</a:t>
+            </a:r>
+          </a:p>
+          <a:p>
+            <a:r>
+              <a:rPr lang="en-US" dirty="0"/>
+              <a:t>Width: 2/13.33 = 15</a:t>
+            </a:r>
+          </a:p>
+          <a:p>
+            <a:endParaRPr lang="en-US" dirty="0"/>
+          </a:p>
+          <a:p>
+            <a:r>
+              <a:rPr lang="en-US" dirty="0"/>
+              <a:t>Left: 14</a:t>
+            </a:r>
+          </a:p>
+          <a:p>
+            <a:r>
+              <a:rPr lang="en-US" dirty="0"/>
+              <a:t>Left: 33</a:t>
+            </a:r>
+          </a:p>
+          <a:p>
+            <a:r>
+              <a:rPr lang="en-US" dirty="0"/>
+              <a:t>Left: 52</a:t>
+            </a:r>
+          </a:p>
+          <a:p>
+            <a:r>
+              <a:rPr lang="en-US" dirty="0"/>
+              <a:t>Left: </a:t>
+            </a:r>
+            <a:r>
+              <a:rPr lang="en-US" b="0" dirty="0"/>
+              <a:t>71</a:t>
+            </a:r>
+          </a:p>
+          <a:p>
+            <a:endParaRPr lang="en-US" dirty="0"/>
+          </a:p>
+        </p:txBody>
+      </p:sp>
+      <p:sp>
+        <p:nvSpPr>
+          <p:cNvPr id="4" name="Slide Number Placeholder 3">
+            <a:extLst>
+              <a:ext uri="{FF2B5EF4-FFF2-40B4-BE49-F238E27FC236}">
+                <a16:creationId xmlns:a16="http://schemas.microsoft.com/office/drawing/2014/main" id="{F65D1E31-D14C-95B2-E5B4-86B08B2391B1}"/>
+              </a:ext>
+            </a:extLst>
+          </p:cNvPr>
+          <p:cNvSpPr>
+            <a:spLocks noGrp="1"/>
+          </p:cNvSpPr>
+          <p:nvPr>
+            <p:ph type="sldNum" sz="quarter" idx="5"/>
+          </p:nvPr>
+        </p:nvSpPr>
+        <p:spPr/>
+        <p:txBody>
+          <a:bodyPr/>
+          <a:lstStyle/>
+          <a:p>
+            <a:fld id="{33A6F4BA-D916-1F4A-A36F-1BFB60425551}" type="slidenum">
+              <a:rPr lang="en-US" smtClean="0"/>
+              <a:t>1</a:t>
+            </a:fld>
+            <a:endParaRPr lang="en-US"/>
+          </a:p>
+        </p:txBody>
+      </p:sp>
+    </p:spTree>
+    <p:extLst>
+      <p:ext uri="{BB962C8B-B14F-4D97-AF65-F5344CB8AC3E}">
+        <p14:creationId xmlns:p14="http://schemas.microsoft.com/office/powerpoint/2010/main" val="2906353728"/>
+      </p:ext>
+    </p:extLst>
+  </p:cSld>
+  <p:clrMapOvr>
+    <a:masterClrMapping/>
+  </p:clrMapOvr>
+</p:notes>
+</file>
+
+<file path=ppt/notesSlides/notesSlide2.xml><?xml version="1.0" encoding="utf-8"?>
+<p:notes xmlns:a="http://schemas.openxmlformats.org/drawingml/2006/main" xmlns:r="http://schemas.openxmlformats.org/officeDocument/2006/relationships" xmlns:p="http://schemas.openxmlformats.org/presentationml/2006/main">
+  <p:cSld>
+    <p:spTree>
+      <p:nvGrpSpPr>
         <p:cNvPr id="1" name=""/>
         <p:cNvGrpSpPr/>
         <p:nvPr/>
@@ -805,7 +999,7 @@
           <a:p>
             <a:fld id="{33A6F4BA-D916-1F4A-A36F-1BFB60425551}" type="slidenum">
               <a:rPr lang="en-US" smtClean="0"/>
-              <a:t>1</a:t>
+              <a:t>2</a:t>
             </a:fld>
             <a:endParaRPr lang="en-US"/>
           </a:p>
@@ -4022,6 +4216,192 @@
 </file>
 
 <file path=ppt/slides/slide1.xml><?xml version="1.0" encoding="utf-8"?>
+<p:sld xmlns:a="http://schemas.openxmlformats.org/drawingml/2006/main" xmlns:r="http://schemas.openxmlformats.org/officeDocument/2006/relationships" xmlns:p="http://schemas.openxmlformats.org/presentationml/2006/main">
+  <p:cSld>
+    <p:spTree>
+      <p:nvGrpSpPr>
+        <p:cNvPr id="1" name="">
+          <a:extLst>
+            <a:ext uri="{FF2B5EF4-FFF2-40B4-BE49-F238E27FC236}">
+              <a16:creationId xmlns:a16="http://schemas.microsoft.com/office/drawing/2014/main" id="{6C87979F-9D59-B04B-45F6-66DB0C7F1691}"/>
+            </a:ext>
+          </a:extLst>
+        </p:cNvPr>
+        <p:cNvGrpSpPr/>
+        <p:nvPr/>
+      </p:nvGrpSpPr>
+      <p:grpSpPr>
+        <a:xfrm>
+          <a:off x="0" y="0"/>
+          <a:ext cx="0" cy="0"/>
+          <a:chOff x="0" y="0"/>
+          <a:chExt cx="0" cy="0"/>
+        </a:xfrm>
+      </p:grpSpPr>
+      <p:pic>
+        <p:nvPicPr>
+          <p:cNvPr id="6" name="Picture 5">
+            <a:extLst>
+              <a:ext uri="{FF2B5EF4-FFF2-40B4-BE49-F238E27FC236}">
+                <a16:creationId xmlns:a16="http://schemas.microsoft.com/office/drawing/2014/main" id="{6F9139B5-D727-C037-757F-294FAC654687}"/>
+              </a:ext>
+            </a:extLst>
+          </p:cNvPr>
+          <p:cNvPicPr>
+            <a:picLocks noChangeAspect="1"/>
+          </p:cNvPicPr>
+          <p:nvPr/>
+        </p:nvPicPr>
+        <p:blipFill>
+          <a:blip r:embed="rId3"/>
+          <a:stretch>
+            <a:fillRect/>
+          </a:stretch>
+        </p:blipFill>
+        <p:spPr>
+          <a:xfrm>
+            <a:off x="4038600" y="0"/>
+            <a:ext cx="4114800" cy="4114800"/>
+          </a:xfrm>
+          <a:prstGeom prst="rect">
+            <a:avLst/>
+          </a:prstGeom>
+        </p:spPr>
+      </p:pic>
+      <p:pic>
+        <p:nvPicPr>
+          <p:cNvPr id="14" name="Picture 13" descr="A cartoon of a pink alien&#10;&#10;Description automatically generated">
+            <a:extLst>
+              <a:ext uri="{FF2B5EF4-FFF2-40B4-BE49-F238E27FC236}">
+                <a16:creationId xmlns:a16="http://schemas.microsoft.com/office/drawing/2014/main" id="{F5A89E68-7085-FED1-8FA7-17696638728B}"/>
+              </a:ext>
+            </a:extLst>
+          </p:cNvPr>
+          <p:cNvPicPr>
+            <a:picLocks noChangeAspect="1"/>
+          </p:cNvPicPr>
+          <p:nvPr/>
+        </p:nvPicPr>
+        <p:blipFill>
+          <a:blip r:embed="rId4"/>
+          <a:stretch>
+            <a:fillRect/>
+          </a:stretch>
+        </p:blipFill>
+        <p:spPr>
+          <a:xfrm>
+            <a:off x="1398685" y="4351868"/>
+            <a:ext cx="1828800" cy="2438400"/>
+          </a:xfrm>
+          <a:prstGeom prst="rect">
+            <a:avLst/>
+          </a:prstGeom>
+        </p:spPr>
+      </p:pic>
+      <p:pic>
+        <p:nvPicPr>
+          <p:cNvPr id="16" name="Picture 15" descr="A cartoon of a pink and blue creature&#10;&#10;Description automatically generated">
+            <a:extLst>
+              <a:ext uri="{FF2B5EF4-FFF2-40B4-BE49-F238E27FC236}">
+                <a16:creationId xmlns:a16="http://schemas.microsoft.com/office/drawing/2014/main" id="{B10F28AF-E2C1-6506-8DB7-84B7E14C16B6}"/>
+              </a:ext>
+            </a:extLst>
+          </p:cNvPr>
+          <p:cNvPicPr>
+            <a:picLocks noChangeAspect="1"/>
+          </p:cNvPicPr>
+          <p:nvPr/>
+        </p:nvPicPr>
+        <p:blipFill>
+          <a:blip r:embed="rId5"/>
+          <a:stretch>
+            <a:fillRect/>
+          </a:stretch>
+        </p:blipFill>
+        <p:spPr>
+          <a:xfrm>
+            <a:off x="4050448" y="4351868"/>
+            <a:ext cx="1828800" cy="2438400"/>
+          </a:xfrm>
+          <a:prstGeom prst="rect">
+            <a:avLst/>
+          </a:prstGeom>
+        </p:spPr>
+      </p:pic>
+      <p:pic>
+        <p:nvPicPr>
+          <p:cNvPr id="41" name="Picture 40">
+            <a:extLst>
+              <a:ext uri="{FF2B5EF4-FFF2-40B4-BE49-F238E27FC236}">
+                <a16:creationId xmlns:a16="http://schemas.microsoft.com/office/drawing/2014/main" id="{EE16CC29-85D5-8560-5B1A-2C22365372FE}"/>
+              </a:ext>
+            </a:extLst>
+          </p:cNvPr>
+          <p:cNvPicPr>
+            <a:picLocks noChangeAspect="1"/>
+          </p:cNvPicPr>
+          <p:nvPr/>
+        </p:nvPicPr>
+        <p:blipFill>
+          <a:blip r:embed="rId6"/>
+          <a:stretch>
+            <a:fillRect/>
+          </a:stretch>
+        </p:blipFill>
+        <p:spPr>
+          <a:xfrm>
+            <a:off x="6312752" y="4351868"/>
+            <a:ext cx="1828800" cy="2438400"/>
+          </a:xfrm>
+          <a:prstGeom prst="rect">
+            <a:avLst/>
+          </a:prstGeom>
+        </p:spPr>
+      </p:pic>
+      <p:pic>
+        <p:nvPicPr>
+          <p:cNvPr id="42" name="Picture 41">
+            <a:extLst>
+              <a:ext uri="{FF2B5EF4-FFF2-40B4-BE49-F238E27FC236}">
+                <a16:creationId xmlns:a16="http://schemas.microsoft.com/office/drawing/2014/main" id="{D88B7F7B-527F-073F-DCED-B87B15DF19AA}"/>
+              </a:ext>
+            </a:extLst>
+          </p:cNvPr>
+          <p:cNvPicPr>
+            <a:picLocks noChangeAspect="1"/>
+          </p:cNvPicPr>
+          <p:nvPr/>
+        </p:nvPicPr>
+        <p:blipFill>
+          <a:blip r:embed="rId7"/>
+          <a:stretch>
+            <a:fillRect/>
+          </a:stretch>
+        </p:blipFill>
+        <p:spPr>
+          <a:xfrm>
+            <a:off x="8981448" y="4351868"/>
+            <a:ext cx="1828800" cy="2438400"/>
+          </a:xfrm>
+          <a:prstGeom prst="rect">
+            <a:avLst/>
+          </a:prstGeom>
+        </p:spPr>
+      </p:pic>
+    </p:spTree>
+    <p:extLst>
+      <p:ext uri="{BB962C8B-B14F-4D97-AF65-F5344CB8AC3E}">
+        <p14:creationId xmlns:p14="http://schemas.microsoft.com/office/powerpoint/2010/main" val="1961890544"/>
+      </p:ext>
+    </p:extLst>
+  </p:cSld>
+  <p:clrMapOvr>
+    <a:masterClrMapping/>
+  </p:clrMapOvr>
+</p:sld>
+</file>
+
+<file path=ppt/slides/slide2.xml><?xml version="1.0" encoding="utf-8"?>
 <p:sld xmlns:a="http://schemas.openxmlformats.org/drawingml/2006/main" xmlns:r="http://schemas.openxmlformats.org/officeDocument/2006/relationships" xmlns:p="http://schemas.openxmlformats.org/presentationml/2006/main">
   <p:cSld>
     <p:spTree>
